--- a/fuentes/IEE/pedagogicas/Modulo2/BASC_IEE-Mod2-ImgApoyo.pptx
+++ b/fuentes/IEE/pedagogicas/Modulo2/BASC_IEE-Mod2-ImgApoyo.pptx
@@ -5,7 +5,7 @@
     <p:sldMasterId id="2147483648" r:id="rId1"/>
   </p:sldMasterIdLst>
   <p:notesMasterIdLst>
-    <p:notesMasterId r:id="rId8"/>
+    <p:notesMasterId r:id="rId9"/>
   </p:notesMasterIdLst>
   <p:sldIdLst>
     <p:sldId id="289" r:id="rId2"/>
@@ -14,6 +14,7 @@
     <p:sldId id="290" r:id="rId5"/>
     <p:sldId id="286" r:id="rId6"/>
     <p:sldId id="288" r:id="rId7"/>
+    <p:sldId id="291" r:id="rId8"/>
   </p:sldIdLst>
   <p:sldSz cx="10172700" cy="7315200"/>
   <p:notesSz cx="6858000" cy="9144000"/>
@@ -4803,16 +4804,16 @@
     </dgm:pt>
   </dgm:ptLst>
   <dgm:cxnLst>
+    <dgm:cxn modelId="{51BABC6D-D67E-4558-B8F2-BCFE39B39C4E}" type="presOf" srcId="{5AA4211C-DB3E-4C47-B2CE-E655853157C2}" destId="{58608398-C70C-42E1-A8D7-3FD5BC014AB7}" srcOrd="0" destOrd="0" presId="urn:microsoft.com/office/officeart/2005/8/layout/cycle1"/>
+    <dgm:cxn modelId="{F74934F5-55B0-464C-A312-3DABDBF6B136}" type="presOf" srcId="{A217A898-D9EA-40C6-8D32-F851467745AE}" destId="{FA92ABA9-F4FC-4204-A5B0-08083E2ED6D7}" srcOrd="0" destOrd="0" presId="urn:microsoft.com/office/officeart/2005/8/layout/cycle1"/>
+    <dgm:cxn modelId="{9CEFCECE-83EC-4E2A-BF03-22170858EEE1}" type="presOf" srcId="{A5D9840D-03C6-413D-B5D6-8A9873087CA1}" destId="{AB6A9312-8F78-44B2-A77F-B3B8ACF7AADB}" srcOrd="0" destOrd="0" presId="urn:microsoft.com/office/officeart/2005/8/layout/cycle1"/>
+    <dgm:cxn modelId="{B61030B0-7884-4A2C-A244-C438E441517D}" type="presOf" srcId="{39281538-216C-4B05-A616-255930A3F34A}" destId="{BC1B0D01-D37C-4A79-AD37-1155C3B36D7E}" srcOrd="0" destOrd="0" presId="urn:microsoft.com/office/officeart/2005/8/layout/cycle1"/>
+    <dgm:cxn modelId="{9620BEB7-F046-48BE-BA1B-659EC3288CC0}" type="presOf" srcId="{4304998C-BA3D-49F0-B5AD-A50E941C3C1D}" destId="{3334B721-8AEF-4A45-9A92-EB01981FFFAB}" srcOrd="0" destOrd="0" presId="urn:microsoft.com/office/officeart/2005/8/layout/cycle1"/>
+    <dgm:cxn modelId="{64C66AF8-D285-48DB-BFC6-06A0139F5D00}" srcId="{39281538-216C-4B05-A616-255930A3F34A}" destId="{5F721FC7-5563-455B-A773-64DD2AE8B396}" srcOrd="2" destOrd="0" parTransId="{2083A7A4-EDAD-4BE9-8202-EDA9A247D9E3}" sibTransId="{24E7B407-0A84-43B0-90FD-47C1F98121A0}"/>
     <dgm:cxn modelId="{FBBF5C55-26A5-4375-AD0A-9DC2442A0B69}" srcId="{39281538-216C-4B05-A616-255930A3F34A}" destId="{A217A898-D9EA-40C6-8D32-F851467745AE}" srcOrd="1" destOrd="0" parTransId="{5B61B14E-51C2-4BFF-97EE-3E6B6FEF7519}" sibTransId="{4304998C-BA3D-49F0-B5AD-A50E941C3C1D}"/>
+    <dgm:cxn modelId="{F192ABAC-1E86-4A87-B746-AC2D9ECD81E5}" type="presOf" srcId="{5F721FC7-5563-455B-A773-64DD2AE8B396}" destId="{28AEC3B5-17CD-4E39-B823-FBD4EADF1247}" srcOrd="0" destOrd="0" presId="urn:microsoft.com/office/officeart/2005/8/layout/cycle1"/>
+    <dgm:cxn modelId="{C94073F5-A3E7-48FB-BF81-EA7443C7655E}" srcId="{39281538-216C-4B05-A616-255930A3F34A}" destId="{5AA4211C-DB3E-4C47-B2CE-E655853157C2}" srcOrd="0" destOrd="0" parTransId="{84E985CA-0C87-497B-809D-394396CA1E83}" sibTransId="{A5D9840D-03C6-413D-B5D6-8A9873087CA1}"/>
     <dgm:cxn modelId="{1BB35940-F6AA-4295-BD35-2A48CC6AA6E3}" type="presOf" srcId="{24E7B407-0A84-43B0-90FD-47C1F98121A0}" destId="{D6440055-8A12-4C25-8813-0FBC4845DDA1}" srcOrd="0" destOrd="0" presId="urn:microsoft.com/office/officeart/2005/8/layout/cycle1"/>
-    <dgm:cxn modelId="{51BABC6D-D67E-4558-B8F2-BCFE39B39C4E}" type="presOf" srcId="{5AA4211C-DB3E-4C47-B2CE-E655853157C2}" destId="{58608398-C70C-42E1-A8D7-3FD5BC014AB7}" srcOrd="0" destOrd="0" presId="urn:microsoft.com/office/officeart/2005/8/layout/cycle1"/>
-    <dgm:cxn modelId="{9620BEB7-F046-48BE-BA1B-659EC3288CC0}" type="presOf" srcId="{4304998C-BA3D-49F0-B5AD-A50E941C3C1D}" destId="{3334B721-8AEF-4A45-9A92-EB01981FFFAB}" srcOrd="0" destOrd="0" presId="urn:microsoft.com/office/officeart/2005/8/layout/cycle1"/>
-    <dgm:cxn modelId="{9CEFCECE-83EC-4E2A-BF03-22170858EEE1}" type="presOf" srcId="{A5D9840D-03C6-413D-B5D6-8A9873087CA1}" destId="{AB6A9312-8F78-44B2-A77F-B3B8ACF7AADB}" srcOrd="0" destOrd="0" presId="urn:microsoft.com/office/officeart/2005/8/layout/cycle1"/>
-    <dgm:cxn modelId="{64C66AF8-D285-48DB-BFC6-06A0139F5D00}" srcId="{39281538-216C-4B05-A616-255930A3F34A}" destId="{5F721FC7-5563-455B-A773-64DD2AE8B396}" srcOrd="2" destOrd="0" parTransId="{2083A7A4-EDAD-4BE9-8202-EDA9A247D9E3}" sibTransId="{24E7B407-0A84-43B0-90FD-47C1F98121A0}"/>
-    <dgm:cxn modelId="{C94073F5-A3E7-48FB-BF81-EA7443C7655E}" srcId="{39281538-216C-4B05-A616-255930A3F34A}" destId="{5AA4211C-DB3E-4C47-B2CE-E655853157C2}" srcOrd="0" destOrd="0" parTransId="{84E985CA-0C87-497B-809D-394396CA1E83}" sibTransId="{A5D9840D-03C6-413D-B5D6-8A9873087CA1}"/>
-    <dgm:cxn modelId="{B61030B0-7884-4A2C-A244-C438E441517D}" type="presOf" srcId="{39281538-216C-4B05-A616-255930A3F34A}" destId="{BC1B0D01-D37C-4A79-AD37-1155C3B36D7E}" srcOrd="0" destOrd="0" presId="urn:microsoft.com/office/officeart/2005/8/layout/cycle1"/>
-    <dgm:cxn modelId="{F192ABAC-1E86-4A87-B746-AC2D9ECD81E5}" type="presOf" srcId="{5F721FC7-5563-455B-A773-64DD2AE8B396}" destId="{28AEC3B5-17CD-4E39-B823-FBD4EADF1247}" srcOrd="0" destOrd="0" presId="urn:microsoft.com/office/officeart/2005/8/layout/cycle1"/>
-    <dgm:cxn modelId="{F74934F5-55B0-464C-A312-3DABDBF6B136}" type="presOf" srcId="{A217A898-D9EA-40C6-8D32-F851467745AE}" destId="{FA92ABA9-F4FC-4204-A5B0-08083E2ED6D7}" srcOrd="0" destOrd="0" presId="urn:microsoft.com/office/officeart/2005/8/layout/cycle1"/>
     <dgm:cxn modelId="{275F4CE7-D71E-405A-B4CF-FEC92EF97D64}" type="presParOf" srcId="{BC1B0D01-D37C-4A79-AD37-1155C3B36D7E}" destId="{804082B7-86E3-4DD7-B880-D076EF8F5A5D}" srcOrd="0" destOrd="0" presId="urn:microsoft.com/office/officeart/2005/8/layout/cycle1"/>
     <dgm:cxn modelId="{5FBDBAAB-442A-4CA9-AFD5-57A87E18F23C}" type="presParOf" srcId="{BC1B0D01-D37C-4A79-AD37-1155C3B36D7E}" destId="{58608398-C70C-42E1-A8D7-3FD5BC014AB7}" srcOrd="1" destOrd="0" presId="urn:microsoft.com/office/officeart/2005/8/layout/cycle1"/>
     <dgm:cxn modelId="{EAACDFE6-2D7D-44A3-ACEF-71929B0F1ECB}" type="presParOf" srcId="{BC1B0D01-D37C-4A79-AD37-1155C3B36D7E}" destId="{AB6A9312-8F78-44B2-A77F-B3B8ACF7AADB}" srcOrd="2" destOrd="0" presId="urn:microsoft.com/office/officeart/2005/8/layout/cycle1"/>
@@ -4827,7 +4828,7 @@
   <dgm:whole/>
   <dgm:extLst>
     <a:ext uri="http://schemas.microsoft.com/office/drawing/2008/diagram">
-      <dsp:dataModelExt xmlns:dsp="http://schemas.microsoft.com/office/drawing/2008/diagram" xmlns="" relId="rId7" minVer="http://schemas.openxmlformats.org/drawingml/2006/diagram"/>
+      <dsp:dataModelExt xmlns:dsp="http://schemas.microsoft.com/office/drawing/2008/diagram" relId="rId7" minVer="http://schemas.openxmlformats.org/drawingml/2006/diagram"/>
     </a:ext>
   </dgm:extLst>
 </dgm:dataModel>
@@ -5188,19 +5189,19 @@
     </dgm:pt>
   </dgm:ptLst>
   <dgm:cxnLst>
-    <dgm:cxn modelId="{271A7E0F-2554-4D48-917C-1F277D4B08EB}" type="presOf" srcId="{75B79F49-A843-421A-BFB2-B49507C00426}" destId="{0EA55EF3-648F-41ED-A1E1-391B62AAB3F9}" srcOrd="1" destOrd="0" presId="urn:microsoft.com/office/officeart/2005/8/layout/venn2"/>
-    <dgm:cxn modelId="{5F865BBE-FDAD-4F01-ACC0-FA42AF2ECE4A}" type="presOf" srcId="{75B79F49-A843-421A-BFB2-B49507C00426}" destId="{A91A0022-34C8-4C07-9F41-09AF46019B30}" srcOrd="0" destOrd="0" presId="urn:microsoft.com/office/officeart/2005/8/layout/venn2"/>
-    <dgm:cxn modelId="{67B9B96C-3146-4EDD-8C6D-0C285BEAD9E2}" type="presOf" srcId="{250681AB-ADA0-41AF-B18A-E126D11FF423}" destId="{5444AE17-66C6-450B-9270-E7E6FABB766C}" srcOrd="1" destOrd="0" presId="urn:microsoft.com/office/officeart/2005/8/layout/venn2"/>
-    <dgm:cxn modelId="{30476CA0-0F6E-49AC-A464-2FF15A27E068}" type="presOf" srcId="{FC28B5ED-6503-4988-A4EA-786F6C0AF2F0}" destId="{35B715B6-9C0D-4CDA-8B0C-1A88DD3F0505}" srcOrd="0" destOrd="0" presId="urn:microsoft.com/office/officeart/2005/8/layout/venn2"/>
     <dgm:cxn modelId="{DBA135D5-4EE4-4392-ADCD-F27C28C4FDDF}" type="presOf" srcId="{C95DC0F9-BEC8-4774-9BBE-EEF16C9DD69E}" destId="{D1B87B75-BC12-47C1-BBFA-5AAD813EB19E}" srcOrd="1" destOrd="0" presId="urn:microsoft.com/office/officeart/2005/8/layout/venn2"/>
-    <dgm:cxn modelId="{6B77F040-0998-4202-A120-82768D7C35C3}" srcId="{FC28B5ED-6503-4988-A4EA-786F6C0AF2F0}" destId="{250681AB-ADA0-41AF-B18A-E126D11FF423}" srcOrd="3" destOrd="0" parTransId="{9C604795-F270-48BA-AB01-0ADACD5103B0}" sibTransId="{21BB8A36-6B97-4FEE-B167-3AAFF9CD7027}"/>
-    <dgm:cxn modelId="{A001F596-0C88-4A24-A6B8-06A9FAEBC22E}" type="presOf" srcId="{C95DC0F9-BEC8-4774-9BBE-EEF16C9DD69E}" destId="{EB91F70D-9793-4AE3-8C68-612699C99B26}" srcOrd="0" destOrd="0" presId="urn:microsoft.com/office/officeart/2005/8/layout/venn2"/>
-    <dgm:cxn modelId="{FC378D89-6AB3-42C2-9DDE-4706D477DC46}" srcId="{FC28B5ED-6503-4988-A4EA-786F6C0AF2F0}" destId="{C95DC0F9-BEC8-4774-9BBE-EEF16C9DD69E}" srcOrd="0" destOrd="0" parTransId="{78DC8E0F-CEF3-4C5F-8F46-67ADE546C948}" sibTransId="{426584C7-2103-40CC-A7A9-F72610222858}"/>
-    <dgm:cxn modelId="{51B8D97B-BECC-4B06-8229-1A7FD95471DD}" type="presOf" srcId="{385CD733-E0EE-4139-9186-54A91899E16E}" destId="{72CC1006-6B8A-4A94-991F-8177C4ADB4F2}" srcOrd="0" destOrd="0" presId="urn:microsoft.com/office/officeart/2005/8/layout/venn2"/>
-    <dgm:cxn modelId="{BD0B027A-DFB0-4073-A0D8-DB51EA087A59}" type="presOf" srcId="{250681AB-ADA0-41AF-B18A-E126D11FF423}" destId="{B28B2238-6D95-4F96-8D2D-E0ACC1E906A5}" srcOrd="0" destOrd="0" presId="urn:microsoft.com/office/officeart/2005/8/layout/venn2"/>
     <dgm:cxn modelId="{53A42704-8161-497B-A4D5-195E0D248B66}" srcId="{FC28B5ED-6503-4988-A4EA-786F6C0AF2F0}" destId="{385CD733-E0EE-4139-9186-54A91899E16E}" srcOrd="2" destOrd="0" parTransId="{27EA7287-C79E-438F-8D56-99E6F92AC5E9}" sibTransId="{70C269C1-EF80-472B-ACF0-9B4E5EFA3F65}"/>
     <dgm:cxn modelId="{58962239-BDBF-4732-AFBE-50597A361F15}" srcId="{FC28B5ED-6503-4988-A4EA-786F6C0AF2F0}" destId="{75B79F49-A843-421A-BFB2-B49507C00426}" srcOrd="1" destOrd="0" parTransId="{EB3F0E1D-DB5D-476B-BB89-E2C1A3F00B0E}" sibTransId="{266E4EE2-0DDE-45D7-AD5B-F4E9ACF544BC}"/>
+    <dgm:cxn modelId="{271A7E0F-2554-4D48-917C-1F277D4B08EB}" type="presOf" srcId="{75B79F49-A843-421A-BFB2-B49507C00426}" destId="{0EA55EF3-648F-41ED-A1E1-391B62AAB3F9}" srcOrd="1" destOrd="0" presId="urn:microsoft.com/office/officeart/2005/8/layout/venn2"/>
+    <dgm:cxn modelId="{A001F596-0C88-4A24-A6B8-06A9FAEBC22E}" type="presOf" srcId="{C95DC0F9-BEC8-4774-9BBE-EEF16C9DD69E}" destId="{EB91F70D-9793-4AE3-8C68-612699C99B26}" srcOrd="0" destOrd="0" presId="urn:microsoft.com/office/officeart/2005/8/layout/venn2"/>
+    <dgm:cxn modelId="{6B77F040-0998-4202-A120-82768D7C35C3}" srcId="{FC28B5ED-6503-4988-A4EA-786F6C0AF2F0}" destId="{250681AB-ADA0-41AF-B18A-E126D11FF423}" srcOrd="3" destOrd="0" parTransId="{9C604795-F270-48BA-AB01-0ADACD5103B0}" sibTransId="{21BB8A36-6B97-4FEE-B167-3AAFF9CD7027}"/>
+    <dgm:cxn modelId="{30476CA0-0F6E-49AC-A464-2FF15A27E068}" type="presOf" srcId="{FC28B5ED-6503-4988-A4EA-786F6C0AF2F0}" destId="{35B715B6-9C0D-4CDA-8B0C-1A88DD3F0505}" srcOrd="0" destOrd="0" presId="urn:microsoft.com/office/officeart/2005/8/layout/venn2"/>
+    <dgm:cxn modelId="{51B8D97B-BECC-4B06-8229-1A7FD95471DD}" type="presOf" srcId="{385CD733-E0EE-4139-9186-54A91899E16E}" destId="{72CC1006-6B8A-4A94-991F-8177C4ADB4F2}" srcOrd="0" destOrd="0" presId="urn:microsoft.com/office/officeart/2005/8/layout/venn2"/>
+    <dgm:cxn modelId="{67B9B96C-3146-4EDD-8C6D-0C285BEAD9E2}" type="presOf" srcId="{250681AB-ADA0-41AF-B18A-E126D11FF423}" destId="{5444AE17-66C6-450B-9270-E7E6FABB766C}" srcOrd="1" destOrd="0" presId="urn:microsoft.com/office/officeart/2005/8/layout/venn2"/>
+    <dgm:cxn modelId="{FC378D89-6AB3-42C2-9DDE-4706D477DC46}" srcId="{FC28B5ED-6503-4988-A4EA-786F6C0AF2F0}" destId="{C95DC0F9-BEC8-4774-9BBE-EEF16C9DD69E}" srcOrd="0" destOrd="0" parTransId="{78DC8E0F-CEF3-4C5F-8F46-67ADE546C948}" sibTransId="{426584C7-2103-40CC-A7A9-F72610222858}"/>
+    <dgm:cxn modelId="{BD0B027A-DFB0-4073-A0D8-DB51EA087A59}" type="presOf" srcId="{250681AB-ADA0-41AF-B18A-E126D11FF423}" destId="{B28B2238-6D95-4F96-8D2D-E0ACC1E906A5}" srcOrd="0" destOrd="0" presId="urn:microsoft.com/office/officeart/2005/8/layout/venn2"/>
     <dgm:cxn modelId="{D706AE0B-B3AC-456D-A77C-D565C5C1F27F}" type="presOf" srcId="{385CD733-E0EE-4139-9186-54A91899E16E}" destId="{2E31E341-A7ED-43F4-B4F9-F687CF4BF483}" srcOrd="1" destOrd="0" presId="urn:microsoft.com/office/officeart/2005/8/layout/venn2"/>
+    <dgm:cxn modelId="{5F865BBE-FDAD-4F01-ACC0-FA42AF2ECE4A}" type="presOf" srcId="{75B79F49-A843-421A-BFB2-B49507C00426}" destId="{A91A0022-34C8-4C07-9F41-09AF46019B30}" srcOrd="0" destOrd="0" presId="urn:microsoft.com/office/officeart/2005/8/layout/venn2"/>
     <dgm:cxn modelId="{72E7F6C3-8E45-4185-A081-A8D7050811F5}" type="presParOf" srcId="{35B715B6-9C0D-4CDA-8B0C-1A88DD3F0505}" destId="{927FD62B-1981-4A90-BCEE-0097A971B211}" srcOrd="0" destOrd="0" presId="urn:microsoft.com/office/officeart/2005/8/layout/venn2"/>
     <dgm:cxn modelId="{1896563B-6452-4248-8C1B-C0B2CAB91D3A}" type="presParOf" srcId="{927FD62B-1981-4A90-BCEE-0097A971B211}" destId="{EB91F70D-9793-4AE3-8C68-612699C99B26}" srcOrd="0" destOrd="0" presId="urn:microsoft.com/office/officeart/2005/8/layout/venn2"/>
     <dgm:cxn modelId="{3BB5C719-4699-4FE1-80CD-853533765596}" type="presParOf" srcId="{927FD62B-1981-4A90-BCEE-0097A971B211}" destId="{D1B87B75-BC12-47C1-BBFA-5AAD813EB19E}" srcOrd="1" destOrd="0" presId="urn:microsoft.com/office/officeart/2005/8/layout/venn2"/>
@@ -5218,7 +5219,7 @@
   <dgm:whole/>
   <dgm:extLst>
     <a:ext uri="http://schemas.microsoft.com/office/drawing/2008/diagram">
-      <dsp:dataModelExt xmlns:dsp="http://schemas.microsoft.com/office/drawing/2008/diagram" xmlns="" relId="rId7" minVer="http://schemas.openxmlformats.org/drawingml/2006/diagram"/>
+      <dsp:dataModelExt xmlns:dsp="http://schemas.microsoft.com/office/drawing/2008/diagram" relId="rId7" minVer="http://schemas.openxmlformats.org/drawingml/2006/diagram"/>
     </a:ext>
   </dgm:extLst>
 </dgm:dataModel>
@@ -5574,19 +5575,19 @@
     </dgm:pt>
   </dgm:ptLst>
   <dgm:cxnLst>
+    <dgm:cxn modelId="{53A42704-8161-497B-A4D5-195E0D248B66}" srcId="{FC28B5ED-6503-4988-A4EA-786F6C0AF2F0}" destId="{385CD733-E0EE-4139-9186-54A91899E16E}" srcOrd="2" destOrd="0" parTransId="{27EA7287-C79E-438F-8D56-99E6F92AC5E9}" sibTransId="{70C269C1-EF80-472B-ACF0-9B4E5EFA3F65}"/>
+    <dgm:cxn modelId="{FCDDCAFA-7B7C-4B74-B254-9AF645CEACEB}" type="presOf" srcId="{FC28B5ED-6503-4988-A4EA-786F6C0AF2F0}" destId="{35B715B6-9C0D-4CDA-8B0C-1A88DD3F0505}" srcOrd="0" destOrd="0" presId="urn:microsoft.com/office/officeart/2005/8/layout/venn2"/>
+    <dgm:cxn modelId="{DF523DFF-EBBE-4C76-A575-99A82D7BD04D}" type="presOf" srcId="{385CD733-E0EE-4139-9186-54A91899E16E}" destId="{72CC1006-6B8A-4A94-991F-8177C4ADB4F2}" srcOrd="0" destOrd="0" presId="urn:microsoft.com/office/officeart/2005/8/layout/venn2"/>
     <dgm:cxn modelId="{457E89F9-D796-4839-A514-EF8C38324A00}" type="presOf" srcId="{C95DC0F9-BEC8-4774-9BBE-EEF16C9DD69E}" destId="{EB91F70D-9793-4AE3-8C68-612699C99B26}" srcOrd="0" destOrd="0" presId="urn:microsoft.com/office/officeart/2005/8/layout/venn2"/>
-    <dgm:cxn modelId="{A6626079-B176-4EC7-A6F8-20BB0A6EE831}" type="presOf" srcId="{250681AB-ADA0-41AF-B18A-E126D11FF423}" destId="{5444AE17-66C6-450B-9270-E7E6FABB766C}" srcOrd="1" destOrd="0" presId="urn:microsoft.com/office/officeart/2005/8/layout/venn2"/>
-    <dgm:cxn modelId="{1216E524-1AC4-4E5F-A692-642717856A19}" type="presOf" srcId="{C95DC0F9-BEC8-4774-9BBE-EEF16C9DD69E}" destId="{D1B87B75-BC12-47C1-BBFA-5AAD813EB19E}" srcOrd="1" destOrd="0" presId="urn:microsoft.com/office/officeart/2005/8/layout/venn2"/>
+    <dgm:cxn modelId="{58962239-BDBF-4732-AFBE-50597A361F15}" srcId="{FC28B5ED-6503-4988-A4EA-786F6C0AF2F0}" destId="{75B79F49-A843-421A-BFB2-B49507C00426}" srcOrd="1" destOrd="0" parTransId="{EB3F0E1D-DB5D-476B-BB89-E2C1A3F00B0E}" sibTransId="{266E4EE2-0DDE-45D7-AD5B-F4E9ACF544BC}"/>
+    <dgm:cxn modelId="{A97A6F48-80D6-47B2-8863-1DE64553BFF9}" type="presOf" srcId="{250681AB-ADA0-41AF-B18A-E126D11FF423}" destId="{B28B2238-6D95-4F96-8D2D-E0ACC1E906A5}" srcOrd="0" destOrd="0" presId="urn:microsoft.com/office/officeart/2005/8/layout/venn2"/>
     <dgm:cxn modelId="{6B77F040-0998-4202-A120-82768D7C35C3}" srcId="{FC28B5ED-6503-4988-A4EA-786F6C0AF2F0}" destId="{250681AB-ADA0-41AF-B18A-E126D11FF423}" srcOrd="3" destOrd="0" parTransId="{9C604795-F270-48BA-AB01-0ADACD5103B0}" sibTransId="{21BB8A36-6B97-4FEE-B167-3AAFF9CD7027}"/>
     <dgm:cxn modelId="{05BA3570-840D-461F-BD63-8FA23BC859B4}" type="presOf" srcId="{75B79F49-A843-421A-BFB2-B49507C00426}" destId="{A91A0022-34C8-4C07-9F41-09AF46019B30}" srcOrd="0" destOrd="0" presId="urn:microsoft.com/office/officeart/2005/8/layout/venn2"/>
-    <dgm:cxn modelId="{FCDDCAFA-7B7C-4B74-B254-9AF645CEACEB}" type="presOf" srcId="{FC28B5ED-6503-4988-A4EA-786F6C0AF2F0}" destId="{35B715B6-9C0D-4CDA-8B0C-1A88DD3F0505}" srcOrd="0" destOrd="0" presId="urn:microsoft.com/office/officeart/2005/8/layout/venn2"/>
+    <dgm:cxn modelId="{A6626079-B176-4EC7-A6F8-20BB0A6EE831}" type="presOf" srcId="{250681AB-ADA0-41AF-B18A-E126D11FF423}" destId="{5444AE17-66C6-450B-9270-E7E6FABB766C}" srcOrd="1" destOrd="0" presId="urn:microsoft.com/office/officeart/2005/8/layout/venn2"/>
+    <dgm:cxn modelId="{9541CB76-9C05-4A83-861D-3C3E430995A5}" type="presOf" srcId="{75B79F49-A843-421A-BFB2-B49507C00426}" destId="{0EA55EF3-648F-41ED-A1E1-391B62AAB3F9}" srcOrd="1" destOrd="0" presId="urn:microsoft.com/office/officeart/2005/8/layout/venn2"/>
     <dgm:cxn modelId="{6DA68BB0-481B-4CA5-93D8-4699523F6D85}" type="presOf" srcId="{385CD733-E0EE-4139-9186-54A91899E16E}" destId="{2E31E341-A7ED-43F4-B4F9-F687CF4BF483}" srcOrd="1" destOrd="0" presId="urn:microsoft.com/office/officeart/2005/8/layout/venn2"/>
     <dgm:cxn modelId="{FC378D89-6AB3-42C2-9DDE-4706D477DC46}" srcId="{FC28B5ED-6503-4988-A4EA-786F6C0AF2F0}" destId="{C95DC0F9-BEC8-4774-9BBE-EEF16C9DD69E}" srcOrd="0" destOrd="0" parTransId="{78DC8E0F-CEF3-4C5F-8F46-67ADE546C948}" sibTransId="{426584C7-2103-40CC-A7A9-F72610222858}"/>
-    <dgm:cxn modelId="{A97A6F48-80D6-47B2-8863-1DE64553BFF9}" type="presOf" srcId="{250681AB-ADA0-41AF-B18A-E126D11FF423}" destId="{B28B2238-6D95-4F96-8D2D-E0ACC1E906A5}" srcOrd="0" destOrd="0" presId="urn:microsoft.com/office/officeart/2005/8/layout/venn2"/>
-    <dgm:cxn modelId="{53A42704-8161-497B-A4D5-195E0D248B66}" srcId="{FC28B5ED-6503-4988-A4EA-786F6C0AF2F0}" destId="{385CD733-E0EE-4139-9186-54A91899E16E}" srcOrd="2" destOrd="0" parTransId="{27EA7287-C79E-438F-8D56-99E6F92AC5E9}" sibTransId="{70C269C1-EF80-472B-ACF0-9B4E5EFA3F65}"/>
-    <dgm:cxn modelId="{58962239-BDBF-4732-AFBE-50597A361F15}" srcId="{FC28B5ED-6503-4988-A4EA-786F6C0AF2F0}" destId="{75B79F49-A843-421A-BFB2-B49507C00426}" srcOrd="1" destOrd="0" parTransId="{EB3F0E1D-DB5D-476B-BB89-E2C1A3F00B0E}" sibTransId="{266E4EE2-0DDE-45D7-AD5B-F4E9ACF544BC}"/>
-    <dgm:cxn modelId="{DF523DFF-EBBE-4C76-A575-99A82D7BD04D}" type="presOf" srcId="{385CD733-E0EE-4139-9186-54A91899E16E}" destId="{72CC1006-6B8A-4A94-991F-8177C4ADB4F2}" srcOrd="0" destOrd="0" presId="urn:microsoft.com/office/officeart/2005/8/layout/venn2"/>
-    <dgm:cxn modelId="{9541CB76-9C05-4A83-861D-3C3E430995A5}" type="presOf" srcId="{75B79F49-A843-421A-BFB2-B49507C00426}" destId="{0EA55EF3-648F-41ED-A1E1-391B62AAB3F9}" srcOrd="1" destOrd="0" presId="urn:microsoft.com/office/officeart/2005/8/layout/venn2"/>
+    <dgm:cxn modelId="{1216E524-1AC4-4E5F-A692-642717856A19}" type="presOf" srcId="{C95DC0F9-BEC8-4774-9BBE-EEF16C9DD69E}" destId="{D1B87B75-BC12-47C1-BBFA-5AAD813EB19E}" srcOrd="1" destOrd="0" presId="urn:microsoft.com/office/officeart/2005/8/layout/venn2"/>
     <dgm:cxn modelId="{B036F5B9-68D8-46C4-807D-282B66952B3C}" type="presParOf" srcId="{35B715B6-9C0D-4CDA-8B0C-1A88DD3F0505}" destId="{927FD62B-1981-4A90-BCEE-0097A971B211}" srcOrd="0" destOrd="0" presId="urn:microsoft.com/office/officeart/2005/8/layout/venn2"/>
     <dgm:cxn modelId="{96B1ACA8-1AA0-4536-92E9-F82B69861788}" type="presParOf" srcId="{927FD62B-1981-4A90-BCEE-0097A971B211}" destId="{EB91F70D-9793-4AE3-8C68-612699C99B26}" srcOrd="0" destOrd="0" presId="urn:microsoft.com/office/officeart/2005/8/layout/venn2"/>
     <dgm:cxn modelId="{01ACFAB7-FF79-439F-85EB-005AA7BC4892}" type="presParOf" srcId="{927FD62B-1981-4A90-BCEE-0097A971B211}" destId="{D1B87B75-BC12-47C1-BBFA-5AAD813EB19E}" srcOrd="1" destOrd="0" presId="urn:microsoft.com/office/officeart/2005/8/layout/venn2"/>
@@ -5604,7 +5605,7 @@
   <dgm:whole/>
   <dgm:extLst>
     <a:ext uri="http://schemas.microsoft.com/office/drawing/2008/diagram">
-      <dsp:dataModelExt xmlns:dsp="http://schemas.microsoft.com/office/drawing/2008/diagram" xmlns="" relId="rId7" minVer="http://schemas.openxmlformats.org/drawingml/2006/diagram"/>
+      <dsp:dataModelExt xmlns:dsp="http://schemas.microsoft.com/office/drawing/2008/diagram" relId="rId7" minVer="http://schemas.openxmlformats.org/drawingml/2006/diagram"/>
     </a:ext>
   </dgm:extLst>
 </dgm:dataModel>
@@ -5960,19 +5961,19 @@
     </dgm:pt>
   </dgm:ptLst>
   <dgm:cxnLst>
+    <dgm:cxn modelId="{0FBBE2D5-3B6B-4678-8FEC-86B452697295}" type="presOf" srcId="{C95DC0F9-BEC8-4774-9BBE-EEF16C9DD69E}" destId="{D1B87B75-BC12-47C1-BBFA-5AAD813EB19E}" srcOrd="1" destOrd="0" presId="urn:microsoft.com/office/officeart/2005/8/layout/venn2"/>
+    <dgm:cxn modelId="{53A42704-8161-497B-A4D5-195E0D248B66}" srcId="{FC28B5ED-6503-4988-A4EA-786F6C0AF2F0}" destId="{385CD733-E0EE-4139-9186-54A91899E16E}" srcOrd="2" destOrd="0" parTransId="{27EA7287-C79E-438F-8D56-99E6F92AC5E9}" sibTransId="{70C269C1-EF80-472B-ACF0-9B4E5EFA3F65}"/>
+    <dgm:cxn modelId="{01FF2665-989E-4E1C-BCAD-68CA5D3D0CC1}" type="presOf" srcId="{250681AB-ADA0-41AF-B18A-E126D11FF423}" destId="{B28B2238-6D95-4F96-8D2D-E0ACC1E906A5}" srcOrd="0" destOrd="0" presId="urn:microsoft.com/office/officeart/2005/8/layout/venn2"/>
+    <dgm:cxn modelId="{0D2D9793-910D-43B0-9DD3-1579899288F2}" type="presOf" srcId="{75B79F49-A843-421A-BFB2-B49507C00426}" destId="{0EA55EF3-648F-41ED-A1E1-391B62AAB3F9}" srcOrd="1" destOrd="0" presId="urn:microsoft.com/office/officeart/2005/8/layout/venn2"/>
+    <dgm:cxn modelId="{58962239-BDBF-4732-AFBE-50597A361F15}" srcId="{FC28B5ED-6503-4988-A4EA-786F6C0AF2F0}" destId="{75B79F49-A843-421A-BFB2-B49507C00426}" srcOrd="1" destOrd="0" parTransId="{EB3F0E1D-DB5D-476B-BB89-E2C1A3F00B0E}" sibTransId="{266E4EE2-0DDE-45D7-AD5B-F4E9ACF544BC}"/>
+    <dgm:cxn modelId="{15FA15D6-DB48-4308-89A2-DD0E0593CFBE}" type="presOf" srcId="{385CD733-E0EE-4139-9186-54A91899E16E}" destId="{2E31E341-A7ED-43F4-B4F9-F687CF4BF483}" srcOrd="1" destOrd="0" presId="urn:microsoft.com/office/officeart/2005/8/layout/venn2"/>
     <dgm:cxn modelId="{6B77F040-0998-4202-A120-82768D7C35C3}" srcId="{FC28B5ED-6503-4988-A4EA-786F6C0AF2F0}" destId="{250681AB-ADA0-41AF-B18A-E126D11FF423}" srcOrd="3" destOrd="0" parTransId="{9C604795-F270-48BA-AB01-0ADACD5103B0}" sibTransId="{21BB8A36-6B97-4FEE-B167-3AAFF9CD7027}"/>
-    <dgm:cxn modelId="{01FF2665-989E-4E1C-BCAD-68CA5D3D0CC1}" type="presOf" srcId="{250681AB-ADA0-41AF-B18A-E126D11FF423}" destId="{B28B2238-6D95-4F96-8D2D-E0ACC1E906A5}" srcOrd="0" destOrd="0" presId="urn:microsoft.com/office/officeart/2005/8/layout/venn2"/>
-    <dgm:cxn modelId="{15FA15D6-DB48-4308-89A2-DD0E0593CFBE}" type="presOf" srcId="{385CD733-E0EE-4139-9186-54A91899E16E}" destId="{2E31E341-A7ED-43F4-B4F9-F687CF4BF483}" srcOrd="1" destOrd="0" presId="urn:microsoft.com/office/officeart/2005/8/layout/venn2"/>
-    <dgm:cxn modelId="{0FBBE2D5-3B6B-4678-8FEC-86B452697295}" type="presOf" srcId="{C95DC0F9-BEC8-4774-9BBE-EEF16C9DD69E}" destId="{D1B87B75-BC12-47C1-BBFA-5AAD813EB19E}" srcOrd="1" destOrd="0" presId="urn:microsoft.com/office/officeart/2005/8/layout/venn2"/>
     <dgm:cxn modelId="{46F97625-8110-4E4B-9E0E-490347919E1A}" type="presOf" srcId="{385CD733-E0EE-4139-9186-54A91899E16E}" destId="{72CC1006-6B8A-4A94-991F-8177C4ADB4F2}" srcOrd="0" destOrd="0" presId="urn:microsoft.com/office/officeart/2005/8/layout/venn2"/>
+    <dgm:cxn modelId="{873AE7AF-2618-4F81-94AC-62C4876DECA7}" type="presOf" srcId="{75B79F49-A843-421A-BFB2-B49507C00426}" destId="{A91A0022-34C8-4C07-9F41-09AF46019B30}" srcOrd="0" destOrd="0" presId="urn:microsoft.com/office/officeart/2005/8/layout/venn2"/>
+    <dgm:cxn modelId="{24EC278A-4609-4656-B365-088EF9676DE8}" type="presOf" srcId="{C95DC0F9-BEC8-4774-9BBE-EEF16C9DD69E}" destId="{EB91F70D-9793-4AE3-8C68-612699C99B26}" srcOrd="0" destOrd="0" presId="urn:microsoft.com/office/officeart/2005/8/layout/venn2"/>
     <dgm:cxn modelId="{838D95D5-0EC7-4A3F-9893-C8CED96FEBA9}" type="presOf" srcId="{250681AB-ADA0-41AF-B18A-E126D11FF423}" destId="{5444AE17-66C6-450B-9270-E7E6FABB766C}" srcOrd="1" destOrd="0" presId="urn:microsoft.com/office/officeart/2005/8/layout/venn2"/>
     <dgm:cxn modelId="{FC378D89-6AB3-42C2-9DDE-4706D477DC46}" srcId="{FC28B5ED-6503-4988-A4EA-786F6C0AF2F0}" destId="{C95DC0F9-BEC8-4774-9BBE-EEF16C9DD69E}" srcOrd="0" destOrd="0" parTransId="{78DC8E0F-CEF3-4C5F-8F46-67ADE546C948}" sibTransId="{426584C7-2103-40CC-A7A9-F72610222858}"/>
-    <dgm:cxn modelId="{24EC278A-4609-4656-B365-088EF9676DE8}" type="presOf" srcId="{C95DC0F9-BEC8-4774-9BBE-EEF16C9DD69E}" destId="{EB91F70D-9793-4AE3-8C68-612699C99B26}" srcOrd="0" destOrd="0" presId="urn:microsoft.com/office/officeart/2005/8/layout/venn2"/>
     <dgm:cxn modelId="{3C7F3DAF-D395-47B0-A4CA-2749AC8C1C59}" type="presOf" srcId="{FC28B5ED-6503-4988-A4EA-786F6C0AF2F0}" destId="{35B715B6-9C0D-4CDA-8B0C-1A88DD3F0505}" srcOrd="0" destOrd="0" presId="urn:microsoft.com/office/officeart/2005/8/layout/venn2"/>
-    <dgm:cxn modelId="{53A42704-8161-497B-A4D5-195E0D248B66}" srcId="{FC28B5ED-6503-4988-A4EA-786F6C0AF2F0}" destId="{385CD733-E0EE-4139-9186-54A91899E16E}" srcOrd="2" destOrd="0" parTransId="{27EA7287-C79E-438F-8D56-99E6F92AC5E9}" sibTransId="{70C269C1-EF80-472B-ACF0-9B4E5EFA3F65}"/>
-    <dgm:cxn modelId="{58962239-BDBF-4732-AFBE-50597A361F15}" srcId="{FC28B5ED-6503-4988-A4EA-786F6C0AF2F0}" destId="{75B79F49-A843-421A-BFB2-B49507C00426}" srcOrd="1" destOrd="0" parTransId="{EB3F0E1D-DB5D-476B-BB89-E2C1A3F00B0E}" sibTransId="{266E4EE2-0DDE-45D7-AD5B-F4E9ACF544BC}"/>
-    <dgm:cxn modelId="{873AE7AF-2618-4F81-94AC-62C4876DECA7}" type="presOf" srcId="{75B79F49-A843-421A-BFB2-B49507C00426}" destId="{A91A0022-34C8-4C07-9F41-09AF46019B30}" srcOrd="0" destOrd="0" presId="urn:microsoft.com/office/officeart/2005/8/layout/venn2"/>
-    <dgm:cxn modelId="{0D2D9793-910D-43B0-9DD3-1579899288F2}" type="presOf" srcId="{75B79F49-A843-421A-BFB2-B49507C00426}" destId="{0EA55EF3-648F-41ED-A1E1-391B62AAB3F9}" srcOrd="1" destOrd="0" presId="urn:microsoft.com/office/officeart/2005/8/layout/venn2"/>
     <dgm:cxn modelId="{4827ECD7-201D-4A56-9686-5376A4239D7F}" type="presParOf" srcId="{35B715B6-9C0D-4CDA-8B0C-1A88DD3F0505}" destId="{927FD62B-1981-4A90-BCEE-0097A971B211}" srcOrd="0" destOrd="0" presId="urn:microsoft.com/office/officeart/2005/8/layout/venn2"/>
     <dgm:cxn modelId="{B2DAF282-A2BD-4672-9E74-8D3AB3F5A616}" type="presParOf" srcId="{927FD62B-1981-4A90-BCEE-0097A971B211}" destId="{EB91F70D-9793-4AE3-8C68-612699C99B26}" srcOrd="0" destOrd="0" presId="urn:microsoft.com/office/officeart/2005/8/layout/venn2"/>
     <dgm:cxn modelId="{A1B79BD5-422E-4401-916C-C6FA1EE31CA0}" type="presParOf" srcId="{927FD62B-1981-4A90-BCEE-0097A971B211}" destId="{D1B87B75-BC12-47C1-BBFA-5AAD813EB19E}" srcOrd="1" destOrd="0" presId="urn:microsoft.com/office/officeart/2005/8/layout/venn2"/>
@@ -5990,7 +5991,7 @@
   <dgm:whole/>
   <dgm:extLst>
     <a:ext uri="http://schemas.microsoft.com/office/drawing/2008/diagram">
-      <dsp:dataModelExt xmlns:dsp="http://schemas.microsoft.com/office/drawing/2008/diagram" xmlns="" relId="rId7" minVer="http://schemas.openxmlformats.org/drawingml/2006/diagram"/>
+      <dsp:dataModelExt xmlns:dsp="http://schemas.microsoft.com/office/drawing/2008/diagram" relId="rId7" minVer="http://schemas.openxmlformats.org/drawingml/2006/diagram"/>
     </a:ext>
   </dgm:extLst>
 </dgm:dataModel>
@@ -6332,18 +6333,18 @@
     </dgm:pt>
   </dgm:ptLst>
   <dgm:cxnLst>
-    <dgm:cxn modelId="{F111B160-CFDE-425E-9185-F353BCB6EE69}" srcId="{6D094C0A-F230-4590-BBAD-82BB334EB9C6}" destId="{91E6276A-C322-4D37-90BE-CD5E1D004C2F}" srcOrd="3" destOrd="0" parTransId="{E3AAAAD0-7C35-4127-A69D-7C32FCE9399D}" sibTransId="{D442B766-B286-43CA-BFCC-940379EB8737}"/>
-    <dgm:cxn modelId="{7CAC649E-8F70-426B-A3D7-72C029F1E1A8}" type="presOf" srcId="{4B7D2859-C3E4-4C8F-BB5E-5B46E4A34E86}" destId="{88B865D0-8206-489D-A0C5-B0D4FCA9B491}" srcOrd="0" destOrd="0" presId="urn:microsoft.com/office/officeart/2005/8/layout/pList1#1"/>
+    <dgm:cxn modelId="{AF7CBFD8-03F3-4B40-8875-0DB70DA571A0}" type="presOf" srcId="{94169FF4-7176-4741-B9EF-7053DAA13B27}" destId="{71FA9C77-5FCA-4D11-BC0D-E3DE550BF395}" srcOrd="0" destOrd="0" presId="urn:microsoft.com/office/officeart/2005/8/layout/pList1#1"/>
+    <dgm:cxn modelId="{34F36B88-0DC1-4ECE-B41D-155973524B51}" type="presOf" srcId="{E8A2F3F4-2996-4594-B2AB-F753AF98A94E}" destId="{A4B9BF0D-09AD-4BB5-9537-B9015FAA1997}" srcOrd="0" destOrd="0" presId="urn:microsoft.com/office/officeart/2005/8/layout/pList1#1"/>
+    <dgm:cxn modelId="{2D036B3B-4968-4AA3-8C32-82B3A816F01C}" srcId="{6D094C0A-F230-4590-BBAD-82BB334EB9C6}" destId="{94169FF4-7176-4741-B9EF-7053DAA13B27}" srcOrd="0" destOrd="0" parTransId="{474A9D44-5C37-4E4A-A924-085A392889C1}" sibTransId="{4B7D2859-C3E4-4C8F-BB5E-5B46E4A34E86}"/>
+    <dgm:cxn modelId="{AB01C22D-CB71-4C56-9589-592D43405660}" type="presOf" srcId="{507B2FBF-ECFD-456C-96AB-A6B3BE41B553}" destId="{4C0245EC-0F56-4F08-9034-15B4BD9350CF}" srcOrd="0" destOrd="0" presId="urn:microsoft.com/office/officeart/2005/8/layout/pList1#1"/>
+    <dgm:cxn modelId="{BB2F0075-24E5-492B-AC6C-7034DA55EC76}" srcId="{6D094C0A-F230-4590-BBAD-82BB334EB9C6}" destId="{507B2FBF-ECFD-456C-96AB-A6B3BE41B553}" srcOrd="1" destOrd="0" parTransId="{DED35EC6-F863-40D3-A058-B247912800ED}" sibTransId="{05FF34D8-EC94-4CE1-8D74-408659E98DB0}"/>
     <dgm:cxn modelId="{9377A4BB-B8E9-472A-BB20-E93E68AC5020}" type="presOf" srcId="{91E6276A-C322-4D37-90BE-CD5E1D004C2F}" destId="{0BD649C5-226B-465A-B5D8-4D5FFA433B07}" srcOrd="0" destOrd="0" presId="urn:microsoft.com/office/officeart/2005/8/layout/pList1#1"/>
     <dgm:cxn modelId="{A4337A7C-3495-40D8-8A94-7436A8DC4F7C}" srcId="{6D094C0A-F230-4590-BBAD-82BB334EB9C6}" destId="{C5DBA7A2-DA52-4C9A-A641-DAABEDC07112}" srcOrd="2" destOrd="0" parTransId="{1F670DF0-93E3-44A0-92A3-3A3F87D18622}" sibTransId="{E8A2F3F4-2996-4594-B2AB-F753AF98A94E}"/>
-    <dgm:cxn modelId="{34F36B88-0DC1-4ECE-B41D-155973524B51}" type="presOf" srcId="{E8A2F3F4-2996-4594-B2AB-F753AF98A94E}" destId="{A4B9BF0D-09AD-4BB5-9537-B9015FAA1997}" srcOrd="0" destOrd="0" presId="urn:microsoft.com/office/officeart/2005/8/layout/pList1#1"/>
-    <dgm:cxn modelId="{2D036B3B-4968-4AA3-8C32-82B3A816F01C}" srcId="{6D094C0A-F230-4590-BBAD-82BB334EB9C6}" destId="{94169FF4-7176-4741-B9EF-7053DAA13B27}" srcOrd="0" destOrd="0" parTransId="{474A9D44-5C37-4E4A-A924-085A392889C1}" sibTransId="{4B7D2859-C3E4-4C8F-BB5E-5B46E4A34E86}"/>
-    <dgm:cxn modelId="{BB2F0075-24E5-492B-AC6C-7034DA55EC76}" srcId="{6D094C0A-F230-4590-BBAD-82BB334EB9C6}" destId="{507B2FBF-ECFD-456C-96AB-A6B3BE41B553}" srcOrd="1" destOrd="0" parTransId="{DED35EC6-F863-40D3-A058-B247912800ED}" sibTransId="{05FF34D8-EC94-4CE1-8D74-408659E98DB0}"/>
-    <dgm:cxn modelId="{AF7CBFD8-03F3-4B40-8875-0DB70DA571A0}" type="presOf" srcId="{94169FF4-7176-4741-B9EF-7053DAA13B27}" destId="{71FA9C77-5FCA-4D11-BC0D-E3DE550BF395}" srcOrd="0" destOrd="0" presId="urn:microsoft.com/office/officeart/2005/8/layout/pList1#1"/>
-    <dgm:cxn modelId="{AB01C22D-CB71-4C56-9589-592D43405660}" type="presOf" srcId="{507B2FBF-ECFD-456C-96AB-A6B3BE41B553}" destId="{4C0245EC-0F56-4F08-9034-15B4BD9350CF}" srcOrd="0" destOrd="0" presId="urn:microsoft.com/office/officeart/2005/8/layout/pList1#1"/>
+    <dgm:cxn modelId="{F8FC0395-8A15-4365-8C1A-737D5D5F657D}" type="presOf" srcId="{6D094C0A-F230-4590-BBAD-82BB334EB9C6}" destId="{DBB33C35-8240-4408-9F3F-69931ECE753D}" srcOrd="0" destOrd="0" presId="urn:microsoft.com/office/officeart/2005/8/layout/pList1#1"/>
+    <dgm:cxn modelId="{F111B160-CFDE-425E-9185-F353BCB6EE69}" srcId="{6D094C0A-F230-4590-BBAD-82BB334EB9C6}" destId="{91E6276A-C322-4D37-90BE-CD5E1D004C2F}" srcOrd="3" destOrd="0" parTransId="{E3AAAAD0-7C35-4127-A69D-7C32FCE9399D}" sibTransId="{D442B766-B286-43CA-BFCC-940379EB8737}"/>
+    <dgm:cxn modelId="{297C799C-CBC4-488A-88F8-657F91AAAE32}" type="presOf" srcId="{05FF34D8-EC94-4CE1-8D74-408659E98DB0}" destId="{D9C9A70D-0B0F-4655-9ED1-D5C2F127DCAD}" srcOrd="0" destOrd="0" presId="urn:microsoft.com/office/officeart/2005/8/layout/pList1#1"/>
+    <dgm:cxn modelId="{7CAC649E-8F70-426B-A3D7-72C029F1E1A8}" type="presOf" srcId="{4B7D2859-C3E4-4C8F-BB5E-5B46E4A34E86}" destId="{88B865D0-8206-489D-A0C5-B0D4FCA9B491}" srcOrd="0" destOrd="0" presId="urn:microsoft.com/office/officeart/2005/8/layout/pList1#1"/>
     <dgm:cxn modelId="{DB122A55-9CED-479E-BF49-C1FF57614B9A}" type="presOf" srcId="{C5DBA7A2-DA52-4C9A-A641-DAABEDC07112}" destId="{7B74B8E2-8F77-4C49-9F43-F1F48DADC219}" srcOrd="0" destOrd="0" presId="urn:microsoft.com/office/officeart/2005/8/layout/pList1#1"/>
-    <dgm:cxn modelId="{297C799C-CBC4-488A-88F8-657F91AAAE32}" type="presOf" srcId="{05FF34D8-EC94-4CE1-8D74-408659E98DB0}" destId="{D9C9A70D-0B0F-4655-9ED1-D5C2F127DCAD}" srcOrd="0" destOrd="0" presId="urn:microsoft.com/office/officeart/2005/8/layout/pList1#1"/>
-    <dgm:cxn modelId="{F8FC0395-8A15-4365-8C1A-737D5D5F657D}" type="presOf" srcId="{6D094C0A-F230-4590-BBAD-82BB334EB9C6}" destId="{DBB33C35-8240-4408-9F3F-69931ECE753D}" srcOrd="0" destOrd="0" presId="urn:microsoft.com/office/officeart/2005/8/layout/pList1#1"/>
     <dgm:cxn modelId="{0506F28B-A891-40BA-8085-E30C8AA351F9}" type="presParOf" srcId="{DBB33C35-8240-4408-9F3F-69931ECE753D}" destId="{5F4827CA-C69E-4BFA-863D-06AFFAC1DA28}" srcOrd="0" destOrd="0" presId="urn:microsoft.com/office/officeart/2005/8/layout/pList1#1"/>
     <dgm:cxn modelId="{B367203B-9141-4504-B264-7DC3D3159D52}" type="presParOf" srcId="{5F4827CA-C69E-4BFA-863D-06AFFAC1DA28}" destId="{D64AC096-CA4F-4C2F-9147-205ABA718115}" srcOrd="0" destOrd="0" presId="urn:microsoft.com/office/officeart/2005/8/layout/pList1#1"/>
     <dgm:cxn modelId="{7A1D794C-CBC2-49D7-9401-B0C4312545FD}" type="presParOf" srcId="{5F4827CA-C69E-4BFA-863D-06AFFAC1DA28}" destId="{71FA9C77-5FCA-4D11-BC0D-E3DE550BF395}" srcOrd="1" destOrd="0" presId="urn:microsoft.com/office/officeart/2005/8/layout/pList1#1"/>
@@ -6364,14 +6365,14 @@
   <dgm:whole/>
   <dgm:extLst>
     <a:ext uri="http://schemas.microsoft.com/office/drawing/2008/diagram">
-      <dsp:dataModelExt xmlns:dsp="http://schemas.microsoft.com/office/drawing/2008/diagram" xmlns="" relId="rId7" minVer="http://schemas.openxmlformats.org/drawingml/2006/diagram"/>
+      <dsp:dataModelExt xmlns:dsp="http://schemas.microsoft.com/office/drawing/2008/diagram" relId="rId7" minVer="http://schemas.openxmlformats.org/drawingml/2006/diagram"/>
     </a:ext>
   </dgm:extLst>
 </dgm:dataModel>
 </file>
 
 <file path=ppt/diagrams/drawing1.xml><?xml version="1.0" encoding="utf-8"?>
-<dsp:drawing xmlns:dgm="http://schemas.openxmlformats.org/drawingml/2006/diagram" xmlns:a="http://schemas.openxmlformats.org/drawingml/2006/main" xmlns:dsp="http://schemas.microsoft.com/office/drawing/2008/diagram">
+<dsp:drawing xmlns:dgm="http://schemas.openxmlformats.org/drawingml/2006/diagram" xmlns:dsp="http://schemas.microsoft.com/office/drawing/2008/diagram" xmlns:a="http://schemas.openxmlformats.org/drawingml/2006/main">
   <dsp:spTree>
     <dsp:nvGrpSpPr>
       <dsp:cNvPr id="0" name=""/>
@@ -6725,7 +6726,7 @@
 </file>
 
 <file path=ppt/diagrams/drawing2.xml><?xml version="1.0" encoding="utf-8"?>
-<dsp:drawing xmlns:dgm="http://schemas.openxmlformats.org/drawingml/2006/diagram" xmlns:a="http://schemas.openxmlformats.org/drawingml/2006/main" xmlns:dsp="http://schemas.microsoft.com/office/drawing/2008/diagram">
+<dsp:drawing xmlns:dgm="http://schemas.openxmlformats.org/drawingml/2006/diagram" xmlns:dsp="http://schemas.microsoft.com/office/drawing/2008/diagram" xmlns:a="http://schemas.openxmlformats.org/drawingml/2006/main">
   <dsp:spTree>
     <dsp:nvGrpSpPr>
       <dsp:cNvPr id="0" name=""/>
@@ -7118,7 +7119,7 @@
 </file>
 
 <file path=ppt/diagrams/drawing3.xml><?xml version="1.0" encoding="utf-8"?>
-<dsp:drawing xmlns:dgm="http://schemas.openxmlformats.org/drawingml/2006/diagram" xmlns:a="http://schemas.openxmlformats.org/drawingml/2006/main" xmlns:dsp="http://schemas.microsoft.com/office/drawing/2008/diagram">
+<dsp:drawing xmlns:dgm="http://schemas.openxmlformats.org/drawingml/2006/diagram" xmlns:dsp="http://schemas.microsoft.com/office/drawing/2008/diagram" xmlns:a="http://schemas.openxmlformats.org/drawingml/2006/main">
   <dsp:spTree>
     <dsp:nvGrpSpPr>
       <dsp:cNvPr id="0" name=""/>
@@ -7516,7 +7517,7 @@
 </file>
 
 <file path=ppt/diagrams/drawing4.xml><?xml version="1.0" encoding="utf-8"?>
-<dsp:drawing xmlns:dgm="http://schemas.openxmlformats.org/drawingml/2006/diagram" xmlns:a="http://schemas.openxmlformats.org/drawingml/2006/main" xmlns:dsp="http://schemas.microsoft.com/office/drawing/2008/diagram">
+<dsp:drawing xmlns:dgm="http://schemas.openxmlformats.org/drawingml/2006/diagram" xmlns:dsp="http://schemas.microsoft.com/office/drawing/2008/diagram" xmlns:a="http://schemas.openxmlformats.org/drawingml/2006/main">
   <dsp:spTree>
     <dsp:nvGrpSpPr>
       <dsp:cNvPr id="0" name=""/>
@@ -7914,7 +7915,7 @@
 </file>
 
 <file path=ppt/diagrams/drawing5.xml><?xml version="1.0" encoding="utf-8"?>
-<dsp:drawing xmlns:dgm="http://schemas.openxmlformats.org/drawingml/2006/diagram" xmlns:a="http://schemas.openxmlformats.org/drawingml/2006/main" xmlns:dsp="http://schemas.microsoft.com/office/drawing/2008/diagram">
+<dsp:drawing xmlns:dgm="http://schemas.openxmlformats.org/drawingml/2006/diagram" xmlns:dsp="http://schemas.microsoft.com/office/drawing/2008/diagram" xmlns:a="http://schemas.openxmlformats.org/drawingml/2006/main">
   <dsp:spTree>
     <dsp:nvGrpSpPr>
       <dsp:cNvPr id="0" name=""/>
@@ -15986,7 +15987,7 @@
             <a:fld id="{09C12D80-4AA6-4CE2-B9C2-0D22F5217B91}" type="datetimeFigureOut">
               <a:rPr lang="es-ES" smtClean="0"/>
               <a:pPr/>
-              <a:t>22/05/2014</a:t>
+              <a:t>26/05/2014</a:t>
             </a:fld>
             <a:endParaRPr lang="es-ES"/>
           </a:p>
@@ -16157,7 +16158,7 @@
     </p:spTree>
     <p:extLst>
       <p:ext uri="{BB962C8B-B14F-4D97-AF65-F5344CB8AC3E}">
-        <p14:creationId xmlns="" xmlns:p14="http://schemas.microsoft.com/office/powerpoint/2010/main" val="1461873376"/>
+        <p14:creationId xmlns:p14="http://schemas.microsoft.com/office/powerpoint/2010/main" val="1461873376"/>
       </p:ext>
     </p:extLst>
   </p:cSld>
@@ -16749,6 +16750,88 @@
 </p:notes>
 </file>
 
+<file path=ppt/notesSlides/notesSlide7.xml><?xml version="1.0" encoding="utf-8"?>
+<p:notes xmlns:a="http://schemas.openxmlformats.org/drawingml/2006/main" xmlns:r="http://schemas.openxmlformats.org/officeDocument/2006/relationships" xmlns:p="http://schemas.openxmlformats.org/presentationml/2006/main">
+  <p:cSld>
+    <p:spTree>
+      <p:nvGrpSpPr>
+        <p:cNvPr id="1" name=""/>
+        <p:cNvGrpSpPr/>
+        <p:nvPr/>
+      </p:nvGrpSpPr>
+      <p:grpSpPr>
+        <a:xfrm>
+          <a:off x="0" y="0"/>
+          <a:ext cx="0" cy="0"/>
+          <a:chOff x="0" y="0"/>
+          <a:chExt cx="0" cy="0"/>
+        </a:xfrm>
+      </p:grpSpPr>
+      <p:sp>
+        <p:nvSpPr>
+          <p:cNvPr id="2" name="1 Marcador de imagen de diapositiva"/>
+          <p:cNvSpPr>
+            <a:spLocks noGrp="1" noRot="1" noChangeAspect="1"/>
+          </p:cNvSpPr>
+          <p:nvPr>
+            <p:ph type="sldImg"/>
+          </p:nvPr>
+        </p:nvSpPr>
+        <p:spPr/>
+      </p:sp>
+      <p:sp>
+        <p:nvSpPr>
+          <p:cNvPr id="3" name="2 Marcador de notas"/>
+          <p:cNvSpPr>
+            <a:spLocks noGrp="1"/>
+          </p:cNvSpPr>
+          <p:nvPr>
+            <p:ph type="body" idx="1"/>
+          </p:nvPr>
+        </p:nvSpPr>
+        <p:spPr/>
+        <p:txBody>
+          <a:bodyPr>
+            <a:normAutofit/>
+          </a:bodyPr>
+          <a:lstStyle/>
+          <a:p>
+            <a:endParaRPr lang="es-ES"/>
+          </a:p>
+        </p:txBody>
+      </p:sp>
+      <p:sp>
+        <p:nvSpPr>
+          <p:cNvPr id="4" name="3 Marcador de número de diapositiva"/>
+          <p:cNvSpPr>
+            <a:spLocks noGrp="1"/>
+          </p:cNvSpPr>
+          <p:nvPr>
+            <p:ph type="sldNum" sz="quarter" idx="10"/>
+          </p:nvPr>
+        </p:nvSpPr>
+        <p:spPr/>
+        <p:txBody>
+          <a:bodyPr/>
+          <a:lstStyle/>
+          <a:p>
+            <a:fld id="{8046FD45-D16D-4204-880E-41BB72D565CE}" type="slidenum">
+              <a:rPr lang="es-ES" smtClean="0"/>
+              <a:pPr/>
+              <a:t>7</a:t>
+            </a:fld>
+            <a:endParaRPr lang="es-ES"/>
+          </a:p>
+        </p:txBody>
+      </p:sp>
+    </p:spTree>
+  </p:cSld>
+  <p:clrMapOvr>
+    <a:masterClrMapping/>
+  </p:clrMapOvr>
+</p:notes>
+</file>
+
 <file path=ppt/slideLayouts/slideLayout1.xml><?xml version="1.0" encoding="utf-8"?>
 <p:sldLayout xmlns:a="http://schemas.openxmlformats.org/drawingml/2006/main" xmlns:r="http://schemas.openxmlformats.org/officeDocument/2006/relationships" xmlns:p="http://schemas.openxmlformats.org/presentationml/2006/main" type="title" preserve="1">
   <p:cSld name="Diapositiva de título">
@@ -16931,7 +17014,7 @@
             <a:fld id="{05D96BC6-CE97-46CE-B948-1334CFE89D44}" type="datetimeFigureOut">
               <a:rPr lang="es-ES" smtClean="0"/>
               <a:pPr/>
-              <a:t>22/05/2014</a:t>
+              <a:t>26/05/2014</a:t>
             </a:fld>
             <a:endParaRPr lang="es-ES"/>
           </a:p>
@@ -17098,7 +17181,7 @@
             <a:fld id="{05D96BC6-CE97-46CE-B948-1334CFE89D44}" type="datetimeFigureOut">
               <a:rPr lang="es-ES" smtClean="0"/>
               <a:pPr/>
-              <a:t>22/05/2014</a:t>
+              <a:t>26/05/2014</a:t>
             </a:fld>
             <a:endParaRPr lang="es-ES"/>
           </a:p>
@@ -17275,7 +17358,7 @@
             <a:fld id="{05D96BC6-CE97-46CE-B948-1334CFE89D44}" type="datetimeFigureOut">
               <a:rPr lang="es-ES" smtClean="0"/>
               <a:pPr/>
-              <a:t>22/05/2014</a:t>
+              <a:t>26/05/2014</a:t>
             </a:fld>
             <a:endParaRPr lang="es-ES"/>
           </a:p>
@@ -17442,7 +17525,7 @@
             <a:fld id="{05D96BC6-CE97-46CE-B948-1334CFE89D44}" type="datetimeFigureOut">
               <a:rPr lang="es-ES" smtClean="0"/>
               <a:pPr/>
-              <a:t>22/05/2014</a:t>
+              <a:t>26/05/2014</a:t>
             </a:fld>
             <a:endParaRPr lang="es-ES"/>
           </a:p>
@@ -17503,7 +17586,7 @@
           <a:blip r:embed="rId2" cstate="print">
             <a:extLst>
               <a:ext uri="{28A0092B-C50C-407E-A947-70E740481C1C}">
-                <a14:useLocalDpi xmlns="" xmlns:a14="http://schemas.microsoft.com/office/drawing/2010/main" val="0"/>
+                <a14:useLocalDpi xmlns:a14="http://schemas.microsoft.com/office/drawing/2010/main" val="0"/>
               </a:ext>
             </a:extLst>
           </a:blip>
@@ -17715,7 +17798,7 @@
             <a:fld id="{05D96BC6-CE97-46CE-B948-1334CFE89D44}" type="datetimeFigureOut">
               <a:rPr lang="es-ES" smtClean="0"/>
               <a:pPr/>
-              <a:t>22/05/2014</a:t>
+              <a:t>26/05/2014</a:t>
             </a:fld>
             <a:endParaRPr lang="es-ES"/>
           </a:p>
@@ -18000,7 +18083,7 @@
             <a:fld id="{05D96BC6-CE97-46CE-B948-1334CFE89D44}" type="datetimeFigureOut">
               <a:rPr lang="es-ES" smtClean="0"/>
               <a:pPr/>
-              <a:t>22/05/2014</a:t>
+              <a:t>26/05/2014</a:t>
             </a:fld>
             <a:endParaRPr lang="es-ES"/>
           </a:p>
@@ -18419,7 +18502,7 @@
             <a:fld id="{05D96BC6-CE97-46CE-B948-1334CFE89D44}" type="datetimeFigureOut">
               <a:rPr lang="es-ES" smtClean="0"/>
               <a:pPr/>
-              <a:t>22/05/2014</a:t>
+              <a:t>26/05/2014</a:t>
             </a:fld>
             <a:endParaRPr lang="es-ES"/>
           </a:p>
@@ -18534,7 +18617,7 @@
             <a:fld id="{05D96BC6-CE97-46CE-B948-1334CFE89D44}" type="datetimeFigureOut">
               <a:rPr lang="es-ES" smtClean="0"/>
               <a:pPr/>
-              <a:t>22/05/2014</a:t>
+              <a:t>26/05/2014</a:t>
             </a:fld>
             <a:endParaRPr lang="es-ES"/>
           </a:p>
@@ -18626,7 +18709,7 @@
             <a:fld id="{05D96BC6-CE97-46CE-B948-1334CFE89D44}" type="datetimeFigureOut">
               <a:rPr lang="es-ES" smtClean="0"/>
               <a:pPr/>
-              <a:t>22/05/2014</a:t>
+              <a:t>26/05/2014</a:t>
             </a:fld>
             <a:endParaRPr lang="es-ES"/>
           </a:p>
@@ -18900,7 +18983,7 @@
             <a:fld id="{05D96BC6-CE97-46CE-B948-1334CFE89D44}" type="datetimeFigureOut">
               <a:rPr lang="es-ES" smtClean="0"/>
               <a:pPr/>
-              <a:t>22/05/2014</a:t>
+              <a:t>26/05/2014</a:t>
             </a:fld>
             <a:endParaRPr lang="es-ES"/>
           </a:p>
@@ -19150,7 +19233,7 @@
             <a:fld id="{05D96BC6-CE97-46CE-B948-1334CFE89D44}" type="datetimeFigureOut">
               <a:rPr lang="es-ES" smtClean="0"/>
               <a:pPr/>
-              <a:t>22/05/2014</a:t>
+              <a:t>26/05/2014</a:t>
             </a:fld>
             <a:endParaRPr lang="es-ES"/>
           </a:p>
@@ -19360,7 +19443,7 @@
             <a:fld id="{05D96BC6-CE97-46CE-B948-1334CFE89D44}" type="datetimeFigureOut">
               <a:rPr lang="es-ES" smtClean="0"/>
               <a:pPr/>
-              <a:t>22/05/2014</a:t>
+              <a:t>26/05/2014</a:t>
             </a:fld>
             <a:endParaRPr lang="es-ES"/>
           </a:p>
@@ -20009,7 +20092,7 @@
     </p:spTree>
     <p:extLst>
       <p:ext uri="{BB962C8B-B14F-4D97-AF65-F5344CB8AC3E}">
-        <p14:creationId xmlns="" xmlns:p14="http://schemas.microsoft.com/office/powerpoint/2010/main" val="702831873"/>
+        <p14:creationId xmlns:p14="http://schemas.microsoft.com/office/powerpoint/2010/main" val="702831873"/>
       </p:ext>
     </p:extLst>
   </p:cSld>
@@ -20087,7 +20170,7 @@
             <p:nvPr>
               <p:extLst>
                 <p:ext uri="{D42A27DB-BD31-4B8C-83A1-F6EECF244321}">
-                  <p14:modId xmlns="" xmlns:p14="http://schemas.microsoft.com/office/powerpoint/2010/main" val="3164353467"/>
+                  <p14:modId xmlns:p14="http://schemas.microsoft.com/office/powerpoint/2010/main" val="3164353467"/>
                 </p:ext>
               </p:extLst>
             </p:nvPr>
@@ -20311,7 +20394,7 @@
     </p:spTree>
     <p:extLst>
       <p:ext uri="{BB962C8B-B14F-4D97-AF65-F5344CB8AC3E}">
-        <p14:creationId xmlns="" xmlns:p14="http://schemas.microsoft.com/office/powerpoint/2010/main" val="702831873"/>
+        <p14:creationId xmlns:p14="http://schemas.microsoft.com/office/powerpoint/2010/main" val="702831873"/>
       </p:ext>
     </p:extLst>
   </p:cSld>
@@ -20394,7 +20477,7 @@
             <p:nvPr>
               <p:extLst>
                 <p:ext uri="{D42A27DB-BD31-4B8C-83A1-F6EECF244321}">
-                  <p14:modId xmlns="" xmlns:p14="http://schemas.microsoft.com/office/powerpoint/2010/main" val="2782709515"/>
+                  <p14:modId xmlns:p14="http://schemas.microsoft.com/office/powerpoint/2010/main" val="2782709515"/>
                 </p:ext>
               </p:extLst>
             </p:nvPr>
@@ -20643,7 +20726,7 @@
     </p:spTree>
     <p:extLst>
       <p:ext uri="{BB962C8B-B14F-4D97-AF65-F5344CB8AC3E}">
-        <p14:creationId xmlns="" xmlns:p14="http://schemas.microsoft.com/office/powerpoint/2010/main" val="1702666760"/>
+        <p14:creationId xmlns:p14="http://schemas.microsoft.com/office/powerpoint/2010/main" val="1702666760"/>
       </p:ext>
     </p:extLst>
   </p:cSld>
@@ -20726,7 +20809,7 @@
             <p:nvPr>
               <p:extLst>
                 <p:ext uri="{D42A27DB-BD31-4B8C-83A1-F6EECF244321}">
-                  <p14:modId xmlns="" xmlns:p14="http://schemas.microsoft.com/office/powerpoint/2010/main" val="2782709515"/>
+                  <p14:modId xmlns:p14="http://schemas.microsoft.com/office/powerpoint/2010/main" val="2782709515"/>
                 </p:ext>
               </p:extLst>
             </p:nvPr>
@@ -20975,7 +21058,7 @@
     </p:spTree>
     <p:extLst>
       <p:ext uri="{BB962C8B-B14F-4D97-AF65-F5344CB8AC3E}">
-        <p14:creationId xmlns="" xmlns:p14="http://schemas.microsoft.com/office/powerpoint/2010/main" val="1702666760"/>
+        <p14:creationId xmlns:p14="http://schemas.microsoft.com/office/powerpoint/2010/main" val="1702666760"/>
       </p:ext>
     </p:extLst>
   </p:cSld>
@@ -21023,7 +21106,7 @@
             <p:nvPr>
               <p:extLst>
                 <p:ext uri="{D42A27DB-BD31-4B8C-83A1-F6EECF244321}">
-                  <p14:modId xmlns="" xmlns:p14="http://schemas.microsoft.com/office/powerpoint/2010/main" val="53795974"/>
+                  <p14:modId xmlns:p14="http://schemas.microsoft.com/office/powerpoint/2010/main" val="53795974"/>
                 </p:ext>
               </p:extLst>
             </p:nvPr>
@@ -21419,7 +21502,7 @@
     </p:spTree>
     <p:extLst>
       <p:ext uri="{BB962C8B-B14F-4D97-AF65-F5344CB8AC3E}">
-        <p14:creationId xmlns="" xmlns:p14="http://schemas.microsoft.com/office/powerpoint/2010/main" val="532052226"/>
+        <p14:creationId xmlns:p14="http://schemas.microsoft.com/office/powerpoint/2010/main" val="532052226"/>
       </p:ext>
     </p:extLst>
   </p:cSld>
@@ -21473,7 +21556,67 @@
     </p:spTree>
     <p:extLst>
       <p:ext uri="{BB962C8B-B14F-4D97-AF65-F5344CB8AC3E}">
-        <p14:creationId xmlns="" xmlns:p14="http://schemas.microsoft.com/office/powerpoint/2010/main" val="1029616651"/>
+        <p14:creationId xmlns:p14="http://schemas.microsoft.com/office/powerpoint/2010/main" val="1029616651"/>
+      </p:ext>
+    </p:extLst>
+  </p:cSld>
+  <p:clrMapOvr>
+    <a:masterClrMapping/>
+  </p:clrMapOvr>
+</p:sld>
+</file>
+
+<file path=ppt/slides/slide7.xml><?xml version="1.0" encoding="utf-8"?>
+<p:sld xmlns:a="http://schemas.openxmlformats.org/drawingml/2006/main" xmlns:r="http://schemas.openxmlformats.org/officeDocument/2006/relationships" xmlns:p="http://schemas.openxmlformats.org/presentationml/2006/main">
+  <p:cSld>
+    <p:spTree>
+      <p:nvGrpSpPr>
+        <p:cNvPr id="1" name=""/>
+        <p:cNvGrpSpPr/>
+        <p:nvPr/>
+      </p:nvGrpSpPr>
+      <p:grpSpPr>
+        <a:xfrm>
+          <a:off x="0" y="0"/>
+          <a:ext cx="0" cy="0"/>
+          <a:chOff x="0" y="0"/>
+          <a:chExt cx="0" cy="0"/>
+        </a:xfrm>
+      </p:grpSpPr>
+      <p:pic>
+        <p:nvPicPr>
+          <p:cNvPr id="2" name="1 Imagen"/>
+          <p:cNvPicPr>
+            <a:picLocks noChangeAspect="1"/>
+          </p:cNvPicPr>
+          <p:nvPr/>
+        </p:nvPicPr>
+        <p:blipFill>
+          <a:blip r:embed="rId3">
+            <a:extLst>
+              <a:ext uri="{28A0092B-C50C-407E-A947-70E740481C1C}">
+                <a14:useLocalDpi xmlns:a14="http://schemas.microsoft.com/office/drawing/2010/main" val="0"/>
+              </a:ext>
+            </a:extLst>
+          </a:blip>
+          <a:stretch>
+            <a:fillRect/>
+          </a:stretch>
+        </p:blipFill>
+        <p:spPr>
+          <a:xfrm>
+            <a:off x="765870" y="273224"/>
+            <a:ext cx="8844072" cy="6713617"/>
+          </a:xfrm>
+          <a:prstGeom prst="rect">
+            <a:avLst/>
+          </a:prstGeom>
+        </p:spPr>
+      </p:pic>
+    </p:spTree>
+    <p:extLst>
+      <p:ext uri="{BB962C8B-B14F-4D97-AF65-F5344CB8AC3E}">
+        <p14:creationId xmlns:p14="http://schemas.microsoft.com/office/powerpoint/2010/main" val="3386212047"/>
       </p:ext>
     </p:extLst>
   </p:cSld>
